--- a/study-materials/sample_workflow_graph.pptx
+++ b/study-materials/sample_workflow_graph.pptx
@@ -260,7 +260,7 @@
           <a:p>
             <a:fld id="{70D07536-02F3-FD49-A282-017CEA2E87FE}" type="datetimeFigureOut">
               <a:rPr lang="en-US" smtClean="0"/>
-              <a:t>10/24/23</a:t>
+              <a:t>11/1/23</a:t>
             </a:fld>
             <a:endParaRPr lang="en-US"/>
           </a:p>
@@ -458,7 +458,7 @@
           <a:p>
             <a:fld id="{70D07536-02F3-FD49-A282-017CEA2E87FE}" type="datetimeFigureOut">
               <a:rPr lang="en-US" smtClean="0"/>
-              <a:t>10/24/23</a:t>
+              <a:t>11/1/23</a:t>
             </a:fld>
             <a:endParaRPr lang="en-US"/>
           </a:p>
@@ -666,7 +666,7 @@
           <a:p>
             <a:fld id="{70D07536-02F3-FD49-A282-017CEA2E87FE}" type="datetimeFigureOut">
               <a:rPr lang="en-US" smtClean="0"/>
-              <a:t>10/24/23</a:t>
+              <a:t>11/1/23</a:t>
             </a:fld>
             <a:endParaRPr lang="en-US"/>
           </a:p>
@@ -864,7 +864,7 @@
           <a:p>
             <a:fld id="{70D07536-02F3-FD49-A282-017CEA2E87FE}" type="datetimeFigureOut">
               <a:rPr lang="en-US" smtClean="0"/>
-              <a:t>10/24/23</a:t>
+              <a:t>11/1/23</a:t>
             </a:fld>
             <a:endParaRPr lang="en-US"/>
           </a:p>
@@ -1139,7 +1139,7 @@
           <a:p>
             <a:fld id="{70D07536-02F3-FD49-A282-017CEA2E87FE}" type="datetimeFigureOut">
               <a:rPr lang="en-US" smtClean="0"/>
-              <a:t>10/24/23</a:t>
+              <a:t>11/1/23</a:t>
             </a:fld>
             <a:endParaRPr lang="en-US"/>
           </a:p>
@@ -1404,7 +1404,7 @@
           <a:p>
             <a:fld id="{70D07536-02F3-FD49-A282-017CEA2E87FE}" type="datetimeFigureOut">
               <a:rPr lang="en-US" smtClean="0"/>
-              <a:t>10/24/23</a:t>
+              <a:t>11/1/23</a:t>
             </a:fld>
             <a:endParaRPr lang="en-US"/>
           </a:p>
@@ -1816,7 +1816,7 @@
           <a:p>
             <a:fld id="{70D07536-02F3-FD49-A282-017CEA2E87FE}" type="datetimeFigureOut">
               <a:rPr lang="en-US" smtClean="0"/>
-              <a:t>10/24/23</a:t>
+              <a:t>11/1/23</a:t>
             </a:fld>
             <a:endParaRPr lang="en-US"/>
           </a:p>
@@ -1957,7 +1957,7 @@
           <a:p>
             <a:fld id="{70D07536-02F3-FD49-A282-017CEA2E87FE}" type="datetimeFigureOut">
               <a:rPr lang="en-US" smtClean="0"/>
-              <a:t>10/24/23</a:t>
+              <a:t>11/1/23</a:t>
             </a:fld>
             <a:endParaRPr lang="en-US"/>
           </a:p>
@@ -2070,7 +2070,7 @@
           <a:p>
             <a:fld id="{70D07536-02F3-FD49-A282-017CEA2E87FE}" type="datetimeFigureOut">
               <a:rPr lang="en-US" smtClean="0"/>
-              <a:t>10/24/23</a:t>
+              <a:t>11/1/23</a:t>
             </a:fld>
             <a:endParaRPr lang="en-US"/>
           </a:p>
@@ -2381,7 +2381,7 @@
           <a:p>
             <a:fld id="{70D07536-02F3-FD49-A282-017CEA2E87FE}" type="datetimeFigureOut">
               <a:rPr lang="en-US" smtClean="0"/>
-              <a:t>10/24/23</a:t>
+              <a:t>11/1/23</a:t>
             </a:fld>
             <a:endParaRPr lang="en-US"/>
           </a:p>
@@ -2669,7 +2669,7 @@
           <a:p>
             <a:fld id="{70D07536-02F3-FD49-A282-017CEA2E87FE}" type="datetimeFigureOut">
               <a:rPr lang="en-US" smtClean="0"/>
-              <a:t>10/24/23</a:t>
+              <a:t>11/1/23</a:t>
             </a:fld>
             <a:endParaRPr lang="en-US"/>
           </a:p>
@@ -2910,7 +2910,7 @@
           <a:p>
             <a:fld id="{70D07536-02F3-FD49-A282-017CEA2E87FE}" type="datetimeFigureOut">
               <a:rPr lang="en-US" smtClean="0"/>
-              <a:t>10/24/23</a:t>
+              <a:t>11/1/23</a:t>
             </a:fld>
             <a:endParaRPr lang="en-US"/>
           </a:p>
@@ -4841,10 +4841,10 @@
       </p:sp>
       <p:pic>
         <p:nvPicPr>
-          <p:cNvPr id="10" name="Picture 9" descr="A diagram of a computer program&#10;&#10;Description automatically generated">
-            <a:extLst>
-              <a:ext uri="{FF2B5EF4-FFF2-40B4-BE49-F238E27FC236}">
-                <a16:creationId xmlns:a16="http://schemas.microsoft.com/office/drawing/2014/main" id="{88A16104-AE7F-70ED-3153-17C421DC86CE}"/>
+          <p:cNvPr id="3" name="Picture 2" descr="A diagram of a computer program&#10;&#10;Description automatically generated">
+            <a:extLst>
+              <a:ext uri="{FF2B5EF4-FFF2-40B4-BE49-F238E27FC236}">
+                <a16:creationId xmlns:a16="http://schemas.microsoft.com/office/drawing/2014/main" id="{9FA0F545-2819-BC94-0FE9-33C8B18935EB}"/>
               </a:ext>
             </a:extLst>
           </p:cNvPr>
@@ -4861,8 +4861,8 @@
         </p:blipFill>
         <p:spPr>
           <a:xfrm>
-            <a:off x="237363" y="570379"/>
-            <a:ext cx="5858637" cy="2858621"/>
+            <a:off x="336798" y="732979"/>
+            <a:ext cx="5759202" cy="2888045"/>
           </a:xfrm>
           <a:prstGeom prst="rect">
             <a:avLst/>
